--- a/trunk/Docs/TIU_Tracking_Poster_v10.pptx
+++ b/trunk/Docs/TIU_Tracking_Poster_v10.pptx
@@ -325,11 +325,11 @@
           <c:smooth val="1"/>
         </c:ser>
         <c:marker val="1"/>
-        <c:axId val="49520000"/>
-        <c:axId val="50976640"/>
+        <c:axId val="56397184"/>
+        <c:axId val="56809344"/>
       </c:lineChart>
       <c:catAx>
-        <c:axId val="49520000"/>
+        <c:axId val="56397184"/>
         <c:scaling>
           <c:orientation val="minMax"/>
         </c:scaling>
@@ -364,14 +364,14 @@
             <a:endParaRPr lang="en-US"/>
           </a:p>
         </c:txPr>
-        <c:crossAx val="50976640"/>
+        <c:crossAx val="56809344"/>
         <c:crosses val="autoZero"/>
         <c:auto val="1"/>
         <c:lblAlgn val="ctr"/>
         <c:lblOffset val="100"/>
       </c:catAx>
       <c:valAx>
-        <c:axId val="50976640"/>
+        <c:axId val="56809344"/>
         <c:scaling>
           <c:orientation val="minMax"/>
           <c:max val="280"/>
@@ -419,7 +419,7 @@
             <a:endParaRPr lang="en-US"/>
           </a:p>
         </c:txPr>
-        <c:crossAx val="49520000"/>
+        <c:crossAx val="56397184"/>
         <c:crosses val="autoZero"/>
         <c:crossBetween val="between"/>
       </c:valAx>
@@ -3817,7 +3817,7 @@
         <p:spPr>
           <a:xfrm>
             <a:off x="30175200" y="23926800"/>
-            <a:ext cx="12344400" cy="6432530"/>
+            <a:ext cx="12344400" cy="4847481"/>
           </a:xfrm>
           <a:prstGeom prst="rect">
             <a:avLst/>
@@ -3833,27 +3833,7 @@
             <a:pPr algn="just"/>
             <a:r>
               <a:rPr lang="en-US" sz="3600" dirty="0" smtClean="0"/>
-              <a:t>The system has been able to meet </a:t>
-            </a:r>
-            <a:r>
-              <a:rPr lang="en-US" sz="3600" dirty="0" smtClean="0"/>
-              <a:t>three important requirements: small </a:t>
-            </a:r>
-            <a:r>
-              <a:rPr lang="en-US" sz="3600" dirty="0" smtClean="0"/>
-              <a:t>size, low cost, and battery life exceeding one month. As for accuracy, the average value is </a:t>
-            </a:r>
-            <a:r>
-              <a:rPr lang="en-US" sz="3600" dirty="0" smtClean="0"/>
-              <a:t>roughly 2m</a:t>
-            </a:r>
-            <a:r>
-              <a:rPr lang="en-US" sz="3600" dirty="0" smtClean="0"/>
-              <a:t>. The result is much better when the tags are close to the calibration points</a:t>
-            </a:r>
-            <a:r>
-              <a:rPr lang="en-US" sz="3600" dirty="0" smtClean="0"/>
-              <a:t>.</a:t>
+              <a:t>The system has been able to meet three important requirements: small size, low cost, and battery life exceeding one month. As for accuracy, the average value is roughly 2m. The result is much better when the tags are close to the calibration points.</a:t>
             </a:r>
           </a:p>
           <a:p>
@@ -3864,11 +3844,7 @@
             </a:pPr>
             <a:r>
               <a:rPr lang="en-US" sz="3600" dirty="0" smtClean="0"/>
-              <a:t>Further </a:t>
-            </a:r>
-            <a:r>
-              <a:rPr lang="en-US" sz="3600" dirty="0" smtClean="0"/>
-              <a:t>work to be done includes</a:t>
+              <a:t>Further work to be done includes</a:t>
             </a:r>
           </a:p>
           <a:p>
@@ -3898,15 +3874,12 @@
             </a:pPr>
             <a:r>
               <a:rPr lang="en-US" sz="3600" dirty="0" smtClean="0"/>
-              <a:t>Improve the robustness of the location algorithm</a:t>
-            </a:r>
-          </a:p>
-          <a:p>
-            <a:pPr>
-              <a:spcBef>
-                <a:spcPts val="1800"/>
-              </a:spcBef>
-            </a:pPr>
+              <a:t>Improve the robustness of the location </a:t>
+            </a:r>
+            <a:r>
+              <a:rPr lang="en-US" sz="3600" dirty="0" smtClean="0"/>
+              <a:t>algorithm</a:t>
+            </a:r>
             <a:endParaRPr lang="en-US" sz="8800" dirty="0"/>
           </a:p>
         </p:txBody>
@@ -7915,7 +7888,28 @@
                 <a:ea typeface="Ebrima" pitchFamily="2" charset="0"/>
                 <a:cs typeface="Ebrima" pitchFamily="2" charset="0"/>
               </a:rPr>
-              <a:t> Employs heuristics and input output filters to further enhance the accuracy and reliability of the locating process</a:t>
+              <a:t>Employs </a:t>
+            </a:r>
+            <a:r>
+              <a:rPr lang="en-US" sz="3600" dirty="0" smtClean="0">
+                <a:ea typeface="Ebrima" pitchFamily="2" charset="0"/>
+                <a:cs typeface="Ebrima" pitchFamily="2" charset="0"/>
+              </a:rPr>
+              <a:t>heuristics and </a:t>
+            </a:r>
+            <a:r>
+              <a:rPr lang="en-US" sz="3600" dirty="0" smtClean="0">
+                <a:ea typeface="Ebrima" pitchFamily="2" charset="0"/>
+                <a:cs typeface="Ebrima" pitchFamily="2" charset="0"/>
+              </a:rPr>
+              <a:t>input/output </a:t>
+            </a:r>
+            <a:r>
+              <a:rPr lang="en-US" sz="3600" dirty="0" smtClean="0">
+                <a:ea typeface="Ebrima" pitchFamily="2" charset="0"/>
+                <a:cs typeface="Ebrima" pitchFamily="2" charset="0"/>
+              </a:rPr>
+              <a:t>filters to further enhance the accuracy and reliability of the locating process</a:t>
             </a:r>
           </a:p>
           <a:p>
@@ -7964,10 +7958,6 @@
               </a:rPr>
               <a:t>where</a:t>
             </a:r>
-            <a:endParaRPr lang="en-US" sz="3600" dirty="0" smtClean="0">
-              <a:ea typeface="Ebrima" pitchFamily="2" charset="0"/>
-              <a:cs typeface="Ebrima" pitchFamily="2" charset="0"/>
-            </a:endParaRPr>
           </a:p>
           <a:p>
             <a:pPr marL="914400" indent="-225425">
@@ -7979,14 +7969,20 @@
                 <a:ea typeface="Ebrima" pitchFamily="2" charset="0"/>
                 <a:cs typeface="Ebrima" pitchFamily="2" charset="0"/>
               </a:rPr>
-              <a:t>d </a:t>
-            </a:r>
+              <a:t>d = Euclidean distance</a:t>
+            </a:r>
+          </a:p>
+          <a:p>
+            <a:pPr marL="914400" indent="-225425">
+              <a:buFont typeface="Arial" pitchFamily="34" charset="0"/>
+              <a:buChar char="•"/>
+            </a:pPr>
             <a:r>
               <a:rPr lang="en-US" sz="3600" dirty="0" smtClean="0">
                 <a:ea typeface="Ebrima" pitchFamily="2" charset="0"/>
                 <a:cs typeface="Ebrima" pitchFamily="2" charset="0"/>
               </a:rPr>
-              <a:t>= Euclidean distance</a:t>
+              <a:t>N = Number of detectors</a:t>
             </a:r>
           </a:p>
           <a:p>
@@ -7999,14 +7995,35 @@
                 <a:ea typeface="Ebrima" pitchFamily="2" charset="0"/>
                 <a:cs typeface="Ebrima" pitchFamily="2" charset="0"/>
               </a:rPr>
-              <a:t>N </a:t>
+              <a:t>RSSI</a:t>
+            </a:r>
+            <a:r>
+              <a:rPr lang="en-US" sz="3600" baseline="-25000" dirty="0" smtClean="0">
+                <a:ea typeface="Ebrima" pitchFamily="2" charset="0"/>
+                <a:cs typeface="Ebrima" pitchFamily="2" charset="0"/>
+              </a:rPr>
+              <a:t>li</a:t>
             </a:r>
             <a:r>
               <a:rPr lang="en-US" sz="3600" dirty="0" smtClean="0">
                 <a:ea typeface="Ebrima" pitchFamily="2" charset="0"/>
                 <a:cs typeface="Ebrima" pitchFamily="2" charset="0"/>
               </a:rPr>
-              <a:t>= Number of detectors</a:t>
+              <a:t> = RSSI value from detector </a:t>
+            </a:r>
+            <a:r>
+              <a:rPr lang="en-US" sz="3600" dirty="0" smtClean="0">
+                <a:ea typeface="Ebrima" pitchFamily="2" charset="0"/>
+                <a:cs typeface="Ebrima" pitchFamily="2" charset="0"/>
+              </a:rPr>
+              <a:t>i</a:t>
+            </a:r>
+            <a:r>
+              <a:rPr lang="en-US" sz="3600" dirty="0" smtClean="0">
+                <a:ea typeface="Ebrima" pitchFamily="2" charset="0"/>
+                <a:cs typeface="Ebrima" pitchFamily="2" charset="0"/>
+              </a:rPr>
+              <a:t> in locating phase</a:t>
             </a:r>
           </a:p>
           <a:p>
@@ -8015,38 +8032,31 @@
               <a:buChar char="•"/>
             </a:pPr>
             <a:r>
-              <a:rPr lang="en-US" sz="3600" dirty="0" err="1" smtClean="0">
+              <a:rPr lang="en-US" sz="3600" dirty="0" smtClean="0">
                 <a:ea typeface="Ebrima" pitchFamily="2" charset="0"/>
                 <a:cs typeface="Ebrima" pitchFamily="2" charset="0"/>
               </a:rPr>
               <a:t>RSSI</a:t>
             </a:r>
             <a:r>
-              <a:rPr lang="en-US" sz="3600" baseline="-25000" dirty="0" err="1" smtClean="0">
+              <a:rPr lang="en-US" sz="3600" baseline="-25000" dirty="0" smtClean="0">
                 <a:ea typeface="Ebrima" pitchFamily="2" charset="0"/>
                 <a:cs typeface="Ebrima" pitchFamily="2" charset="0"/>
               </a:rPr>
-              <a:t>li</a:t>
+              <a:t>ci</a:t>
             </a:r>
             <a:r>
               <a:rPr lang="en-US" sz="3600" dirty="0" smtClean="0">
                 <a:ea typeface="Ebrima" pitchFamily="2" charset="0"/>
                 <a:cs typeface="Ebrima" pitchFamily="2" charset="0"/>
               </a:rPr>
-              <a:t> </a:t>
+              <a:t> = RSSI value from detector </a:t>
             </a:r>
             <a:r>
               <a:rPr lang="en-US" sz="3600" dirty="0" smtClean="0">
                 <a:ea typeface="Ebrima" pitchFamily="2" charset="0"/>
                 <a:cs typeface="Ebrima" pitchFamily="2" charset="0"/>
               </a:rPr>
-              <a:t>= RSSI value from detector </a:t>
-            </a:r>
-            <a:r>
-              <a:rPr lang="en-US" sz="3600" dirty="0" err="1" smtClean="0">
-                <a:ea typeface="Ebrima" pitchFamily="2" charset="0"/>
-                <a:cs typeface="Ebrima" pitchFamily="2" charset="0"/>
-              </a:rPr>
               <a:t>i</a:t>
             </a:r>
             <a:r>
@@ -8054,69 +8064,7 @@
                 <a:ea typeface="Ebrima" pitchFamily="2" charset="0"/>
                 <a:cs typeface="Ebrima" pitchFamily="2" charset="0"/>
               </a:rPr>
-              <a:t> </a:t>
-            </a:r>
-            <a:r>
-              <a:rPr lang="en-US" sz="3600" dirty="0" smtClean="0">
-                <a:ea typeface="Ebrima" pitchFamily="2" charset="0"/>
-                <a:cs typeface="Ebrima" pitchFamily="2" charset="0"/>
-              </a:rPr>
-              <a:t>in locating phase</a:t>
-            </a:r>
-          </a:p>
-          <a:p>
-            <a:pPr marL="914400" indent="-225425">
-              <a:buFont typeface="Arial" pitchFamily="34" charset="0"/>
-              <a:buChar char="•"/>
-            </a:pPr>
-            <a:r>
-              <a:rPr lang="en-US" sz="3600" dirty="0" err="1" smtClean="0">
-                <a:ea typeface="Ebrima" pitchFamily="2" charset="0"/>
-                <a:cs typeface="Ebrima" pitchFamily="2" charset="0"/>
-              </a:rPr>
-              <a:t>RSSI</a:t>
-            </a:r>
-            <a:r>
-              <a:rPr lang="en-US" sz="3600" baseline="-25000" dirty="0" err="1" smtClean="0">
-                <a:ea typeface="Ebrima" pitchFamily="2" charset="0"/>
-                <a:cs typeface="Ebrima" pitchFamily="2" charset="0"/>
-              </a:rPr>
-              <a:t>ci</a:t>
-            </a:r>
-            <a:r>
-              <a:rPr lang="en-US" sz="3600" dirty="0" smtClean="0">
-                <a:ea typeface="Ebrima" pitchFamily="2" charset="0"/>
-                <a:cs typeface="Ebrima" pitchFamily="2" charset="0"/>
-              </a:rPr>
-              <a:t> </a:t>
-            </a:r>
-            <a:r>
-              <a:rPr lang="en-US" sz="3600" dirty="0" smtClean="0">
-                <a:ea typeface="Ebrima" pitchFamily="2" charset="0"/>
-                <a:cs typeface="Ebrima" pitchFamily="2" charset="0"/>
-              </a:rPr>
-              <a:t>= RSSI value from detector </a:t>
-            </a:r>
-            <a:r>
-              <a:rPr lang="en-US" sz="3600" dirty="0" err="1" smtClean="0">
-                <a:ea typeface="Ebrima" pitchFamily="2" charset="0"/>
-                <a:cs typeface="Ebrima" pitchFamily="2" charset="0"/>
-              </a:rPr>
-              <a:t>i</a:t>
-            </a:r>
-            <a:r>
-              <a:rPr lang="en-US" sz="3600" dirty="0" smtClean="0">
-                <a:ea typeface="Ebrima" pitchFamily="2" charset="0"/>
-                <a:cs typeface="Ebrima" pitchFamily="2" charset="0"/>
-              </a:rPr>
-              <a:t> </a:t>
-            </a:r>
-            <a:r>
-              <a:rPr lang="en-US" sz="3600" dirty="0" smtClean="0">
-                <a:ea typeface="Ebrima" pitchFamily="2" charset="0"/>
-                <a:cs typeface="Ebrima" pitchFamily="2" charset="0"/>
-              </a:rPr>
-              <a:t>in calibrating phase</a:t>
+              <a:t> in calibrating phase</a:t>
             </a:r>
           </a:p>
           <a:p>
@@ -8452,12 +8400,12 @@
           <p:nvPr/>
         </p:nvGraphicFramePr>
         <p:xfrm>
-          <a:off x="13711238" y="18391188"/>
-          <a:ext cx="6869112" cy="2012950"/>
+          <a:off x="13601700" y="18391188"/>
+          <a:ext cx="7088188" cy="2012950"/>
         </p:xfrm>
         <a:graphic>
           <a:graphicData uri="http://schemas.openxmlformats.org/presentationml/2006/ole">
-            <p:oleObj spid="_x0000_s1026" name="Equation" r:id="rId25" imgW="1600200" imgH="469800" progId="Equation.3">
+            <p:oleObj spid="_x0000_s1026" name="Equation" r:id="rId25" imgW="1650960" imgH="469800" progId="Equation.3">
               <p:embed/>
             </p:oleObj>
           </a:graphicData>

--- a/trunk/Docs/TIU_Tracking_Poster_v10.pptx
+++ b/trunk/Docs/TIU_Tracking_Poster_v10.pptx
@@ -325,11 +325,11 @@
           <c:smooth val="1"/>
         </c:ser>
         <c:marker val="1"/>
-        <c:axId val="56397184"/>
-        <c:axId val="56809344"/>
+        <c:axId val="69975424"/>
+        <c:axId val="71944064"/>
       </c:lineChart>
       <c:catAx>
-        <c:axId val="56397184"/>
+        <c:axId val="69975424"/>
         <c:scaling>
           <c:orientation val="minMax"/>
         </c:scaling>
@@ -364,14 +364,14 @@
             <a:endParaRPr lang="en-US"/>
           </a:p>
         </c:txPr>
-        <c:crossAx val="56809344"/>
+        <c:crossAx val="71944064"/>
         <c:crosses val="autoZero"/>
         <c:auto val="1"/>
         <c:lblAlgn val="ctr"/>
         <c:lblOffset val="100"/>
       </c:catAx>
       <c:valAx>
-        <c:axId val="56809344"/>
+        <c:axId val="71944064"/>
         <c:scaling>
           <c:orientation val="minMax"/>
           <c:max val="280"/>
@@ -419,7 +419,7 @@
             <a:endParaRPr lang="en-US"/>
           </a:p>
         </c:txPr>
-        <c:crossAx val="56397184"/>
+        <c:crossAx val="69975424"/>
         <c:crosses val="autoZero"/>
         <c:crossBetween val="between"/>
       </c:valAx>
@@ -3874,11 +3874,7 @@
             </a:pPr>
             <a:r>
               <a:rPr lang="en-US" sz="3600" dirty="0" smtClean="0"/>
-              <a:t>Improve the robustness of the location </a:t>
-            </a:r>
-            <a:r>
-              <a:rPr lang="en-US" sz="3600" dirty="0" smtClean="0"/>
-              <a:t>algorithm</a:t>
+              <a:t>Improve the robustness of the location algorithm</a:t>
             </a:r>
             <a:endParaRPr lang="en-US" sz="8800" dirty="0"/>
           </a:p>
@@ -4997,7 +4993,19 @@
             </a:pPr>
             <a:r>
               <a:rPr lang="en-US" sz="3600" dirty="0" smtClean="0"/>
-              <a:t>The system uses an RF transceiver mesh network to track mobile tags indoors. The system determines a tag’s current location by matching the RF signal strength pattern of a tag’s periodic broadcasts with pre-collected patterns stored in a database.</a:t>
+              <a:t>The system uses an RF transceiver mesh network to track mobile tags indoors. The system determines a tag’s current location by matching the RF signal strength pattern of a tag’s </a:t>
+            </a:r>
+            <a:r>
+              <a:rPr lang="en-US" sz="3600" smtClean="0"/>
+              <a:t>periodic </a:t>
+            </a:r>
+            <a:r>
+              <a:rPr lang="en-US" sz="3600" smtClean="0"/>
+              <a:t>broadcast </a:t>
+            </a:r>
+            <a:r>
+              <a:rPr lang="en-US" sz="3600" dirty="0" smtClean="0"/>
+              <a:t>with pre-collected patterns stored in a database.</a:t>
             </a:r>
           </a:p>
           <a:p>
@@ -7888,28 +7896,7 @@
                 <a:ea typeface="Ebrima" pitchFamily="2" charset="0"/>
                 <a:cs typeface="Ebrima" pitchFamily="2" charset="0"/>
               </a:rPr>
-              <a:t>Employs </a:t>
-            </a:r>
-            <a:r>
-              <a:rPr lang="en-US" sz="3600" dirty="0" smtClean="0">
-                <a:ea typeface="Ebrima" pitchFamily="2" charset="0"/>
-                <a:cs typeface="Ebrima" pitchFamily="2" charset="0"/>
-              </a:rPr>
-              <a:t>heuristics and </a:t>
-            </a:r>
-            <a:r>
-              <a:rPr lang="en-US" sz="3600" dirty="0" smtClean="0">
-                <a:ea typeface="Ebrima" pitchFamily="2" charset="0"/>
-                <a:cs typeface="Ebrima" pitchFamily="2" charset="0"/>
-              </a:rPr>
-              <a:t>input/output </a:t>
-            </a:r>
-            <a:r>
-              <a:rPr lang="en-US" sz="3600" dirty="0" smtClean="0">
-                <a:ea typeface="Ebrima" pitchFamily="2" charset="0"/>
-                <a:cs typeface="Ebrima" pitchFamily="2" charset="0"/>
-              </a:rPr>
-              <a:t>filters to further enhance the accuracy and reliability of the locating process</a:t>
+              <a:t>Employs heuristics and input/output filters to further enhance the accuracy and reliability of the locating process</a:t>
             </a:r>
           </a:p>
           <a:p>
@@ -8009,21 +7996,7 @@
                 <a:ea typeface="Ebrima" pitchFamily="2" charset="0"/>
                 <a:cs typeface="Ebrima" pitchFamily="2" charset="0"/>
               </a:rPr>
-              <a:t> = RSSI value from detector </a:t>
-            </a:r>
-            <a:r>
-              <a:rPr lang="en-US" sz="3600" dirty="0" smtClean="0">
-                <a:ea typeface="Ebrima" pitchFamily="2" charset="0"/>
-                <a:cs typeface="Ebrima" pitchFamily="2" charset="0"/>
-              </a:rPr>
-              <a:t>i</a:t>
-            </a:r>
-            <a:r>
-              <a:rPr lang="en-US" sz="3600" dirty="0" smtClean="0">
-                <a:ea typeface="Ebrima" pitchFamily="2" charset="0"/>
-                <a:cs typeface="Ebrima" pitchFamily="2" charset="0"/>
-              </a:rPr>
-              <a:t> in locating phase</a:t>
+              <a:t> = RSSI value from detector i in locating phase</a:t>
             </a:r>
           </a:p>
           <a:p>
@@ -8050,21 +8023,7 @@
                 <a:ea typeface="Ebrima" pitchFamily="2" charset="0"/>
                 <a:cs typeface="Ebrima" pitchFamily="2" charset="0"/>
               </a:rPr>
-              <a:t> = RSSI value from detector </a:t>
-            </a:r>
-            <a:r>
-              <a:rPr lang="en-US" sz="3600" dirty="0" smtClean="0">
-                <a:ea typeface="Ebrima" pitchFamily="2" charset="0"/>
-                <a:cs typeface="Ebrima" pitchFamily="2" charset="0"/>
-              </a:rPr>
-              <a:t>i</a:t>
-            </a:r>
-            <a:r>
-              <a:rPr lang="en-US" sz="3600" dirty="0" smtClean="0">
-                <a:ea typeface="Ebrima" pitchFamily="2" charset="0"/>
-                <a:cs typeface="Ebrima" pitchFamily="2" charset="0"/>
-              </a:rPr>
-              <a:t> in calibrating phase</a:t>
+              <a:t> = RSSI value from detector i in calibrating phase</a:t>
             </a:r>
           </a:p>
           <a:p>
